--- a/lectures/E03 - Funktioner/E03 - Funktioner.pptx
+++ b/lectures/E03 - Funktioner/E03 - Funktioner.pptx
@@ -5,10 +5,10 @@
     <p:sldMasterId id="2147483648" r:id="rId1"/>
   </p:sldMasterIdLst>
   <p:notesMasterIdLst>
-    <p:notesMasterId r:id="rId30"/>
+    <p:notesMasterId r:id="rId31"/>
   </p:notesMasterIdLst>
   <p:handoutMasterIdLst>
-    <p:handoutMasterId r:id="rId31"/>
+    <p:handoutMasterId r:id="rId32"/>
   </p:handoutMasterIdLst>
   <p:sldIdLst>
     <p:sldId id="328" r:id="rId2"/>
@@ -30,34 +30,19 @@
     <p:sldId id="315" r:id="rId18"/>
     <p:sldId id="316" r:id="rId19"/>
     <p:sldId id="331" r:id="rId20"/>
-    <p:sldId id="320" r:id="rId21"/>
-    <p:sldId id="321" r:id="rId22"/>
-    <p:sldId id="310" r:id="rId23"/>
-    <p:sldId id="317" r:id="rId24"/>
-    <p:sldId id="318" r:id="rId25"/>
-    <p:sldId id="311" r:id="rId26"/>
-    <p:sldId id="306" r:id="rId27"/>
-    <p:sldId id="309" r:id="rId28"/>
-    <p:sldId id="329" r:id="rId29"/>
+    <p:sldId id="332" r:id="rId21"/>
+    <p:sldId id="320" r:id="rId22"/>
+    <p:sldId id="321" r:id="rId23"/>
+    <p:sldId id="310" r:id="rId24"/>
+    <p:sldId id="317" r:id="rId25"/>
+    <p:sldId id="318" r:id="rId26"/>
+    <p:sldId id="311" r:id="rId27"/>
+    <p:sldId id="306" r:id="rId28"/>
+    <p:sldId id="309" r:id="rId29"/>
+    <p:sldId id="329" r:id="rId30"/>
   </p:sldIdLst>
   <p:sldSz cx="9144000" cy="5715000" type="screen16x10"/>
   <p:notesSz cx="7099300" cy="10234613"/>
-  <p:embeddedFontLst>
-    <p:embeddedFont>
-      <p:font typeface="Minya Nouvelle" charset="0"/>
-      <p:regular r:id="rId32"/>
-      <p:bold r:id="rId33"/>
-      <p:italic r:id="rId34"/>
-      <p:boldItalic r:id="rId35"/>
-    </p:embeddedFont>
-    <p:embeddedFont>
-      <p:font typeface="Calibri" pitchFamily="34" charset="0"/>
-      <p:regular r:id="rId36"/>
-      <p:bold r:id="rId37"/>
-      <p:italic r:id="rId38"/>
-      <p:boldItalic r:id="rId39"/>
-    </p:embeddedFont>
-  </p:embeddedFontLst>
   <p:defaultTextStyle>
     <a:defPPr>
       <a:defRPr lang="sv-SE"/>
@@ -239,7 +224,7 @@
             <a:fld id="{D591C14E-198E-48A7-ABEC-7FB80E868E55}" type="datetimeFigureOut">
               <a:rPr lang="sv-SE" smtClean="0"/>
               <a:pPr/>
-              <a:t>2012-11-12</a:t>
+              <a:t>2013-11-12</a:t>
             </a:fld>
             <a:endParaRPr lang="sv-SE"/>
           </a:p>
@@ -406,7 +391,7 @@
             <a:fld id="{188BB863-C913-48B5-BD1A-638D82A0C76B}" type="datetimeFigureOut">
               <a:rPr lang="sv-SE" smtClean="0"/>
               <a:pPr/>
-              <a:t>2012-11-12</a:t>
+              <a:t>2013-11-12</a:t>
             </a:fld>
             <a:endParaRPr lang="sv-SE"/>
           </a:p>
@@ -893,7 +878,7 @@
             <a:fld id="{87A2DC32-3504-46EA-A4CB-95ED6A325EDF}" type="slidenum">
               <a:rPr lang="sv-SE" smtClean="0"/>
               <a:pPr/>
-              <a:t>26</a:t>
+              <a:t>27</a:t>
             </a:fld>
             <a:endParaRPr lang="sv-SE"/>
           </a:p>
@@ -982,7 +967,7 @@
             <a:fld id="{87A2DC32-3504-46EA-A4CB-95ED6A325EDF}" type="slidenum">
               <a:rPr lang="sv-SE" smtClean="0"/>
               <a:pPr/>
-              <a:t>27</a:t>
+              <a:t>28</a:t>
             </a:fld>
             <a:endParaRPr lang="sv-SE"/>
           </a:p>
@@ -1639,7 +1624,7 @@
             <a:fld id="{87A2DC32-3504-46EA-A4CB-95ED6A325EDF}" type="slidenum">
               <a:rPr lang="sv-SE" smtClean="0"/>
               <a:pPr/>
-              <a:t>20</a:t>
+              <a:t>21</a:t>
             </a:fld>
             <a:endParaRPr lang="sv-SE"/>
           </a:p>
@@ -1728,7 +1713,7 @@
             <a:fld id="{87A2DC32-3504-46EA-A4CB-95ED6A325EDF}" type="slidenum">
               <a:rPr lang="sv-SE" smtClean="0"/>
               <a:pPr/>
-              <a:t>21</a:t>
+              <a:t>22</a:t>
             </a:fld>
             <a:endParaRPr lang="sv-SE"/>
           </a:p>
@@ -1939,7 +1924,7 @@
             <a:fld id="{87A2DC32-3504-46EA-A4CB-95ED6A325EDF}" type="slidenum">
               <a:rPr lang="sv-SE" smtClean="0"/>
               <a:pPr/>
-              <a:t>25</a:t>
+              <a:t>26</a:t>
             </a:fld>
             <a:endParaRPr lang="sv-SE"/>
           </a:p>
@@ -2104,7 +2089,7 @@
   <p:timing>
     <p:tnLst>
       <p:par>
-        <p:cTn id="1" dur="indefinite" restart="never" nodeType="tmRoot"/>
+        <p:cTn xmlns:p14="http://schemas.microsoft.com/office/powerpoint/2010/main" id="1" dur="indefinite" restart="never" nodeType="tmRoot"/>
       </p:par>
     </p:tnLst>
   </p:timing>
@@ -2329,7 +2314,7 @@
   <p:timing>
     <p:tnLst>
       <p:par>
-        <p:cTn id="1" dur="indefinite" restart="never" nodeType="tmRoot"/>
+        <p:cTn xmlns:p14="http://schemas.microsoft.com/office/powerpoint/2010/main" id="1" dur="indefinite" restart="never" nodeType="tmRoot"/>
       </p:par>
     </p:tnLst>
   </p:timing>
@@ -8402,17 +8387,8 @@
               <a:rPr lang="sv-SE" sz="2800" b="1" dirty="0" smtClean="0">
                 <a:latin typeface="Minya Nouvelle" pitchFamily="2" charset="0"/>
               </a:rPr>
-              <a:t>Föreläsning 3, </a:t>
-            </a:r>
-            <a:r>
-              <a:rPr lang="sv-SE" sz="2800" b="1" dirty="0" smtClean="0">
-                <a:latin typeface="Minya Nouvelle" pitchFamily="2" charset="0"/>
-              </a:rPr>
-              <a:t>HT2012</a:t>
-            </a:r>
-            <a:endParaRPr lang="sv-SE" sz="2800" b="1" dirty="0" smtClean="0">
-              <a:latin typeface="Minya Nouvelle" pitchFamily="2" charset="0"/>
-            </a:endParaRPr>
+              <a:t>Föreläsning 3, HT2012</a:t>
+            </a:r>
           </a:p>
           <a:p>
             <a:r>
@@ -8499,7 +8475,7 @@
           </a:prstGeom>
           <a:noFill/>
           <a:extLst>
-            <a:ext uri="{909E8E84-426E-40DD-AFC4-6F175D3DCCD1}">
+            <a:ext uri="{909E8E84-426E-40dd-AFC4-6F175D3DCCD1}">
               <a14:hiddenFill xmlns:a14="http://schemas.microsoft.com/office/drawing/2010/main">
                 <a:solidFill>
                   <a:srgbClr val="FFFFFF"/>
@@ -8554,7 +8530,7 @@
   <p:timing>
     <p:tnLst>
       <p:par>
-        <p:cTn id="1" dur="indefinite" restart="never" nodeType="tmRoot"/>
+        <p:cTn xmlns:p14="http://schemas.microsoft.com/office/powerpoint/2010/main" id="1" dur="indefinite" restart="never" nodeType="tmRoot"/>
       </p:par>
     </p:tnLst>
   </p:timing>
@@ -8826,7 +8802,7 @@
           </a:prstGeom>
           <a:noFill/>
           <a:extLst>
-            <a:ext uri="{909E8E84-426E-40DD-AFC4-6F175D3DCCD1}">
+            <a:ext uri="{909E8E84-426E-40dd-AFC4-6F175D3DCCD1}">
               <a14:hiddenFill xmlns:a14="http://schemas.microsoft.com/office/drawing/2010/main">
                 <a:solidFill>
                   <a:srgbClr val="FFFFFF"/>
@@ -8868,17 +8844,8 @@
               <a:rPr lang="sv-SE" dirty="0" smtClean="0">
                 <a:latin typeface="Minya Nouvelle" pitchFamily="2" charset="0"/>
               </a:rPr>
-              <a:t>: sid </a:t>
-            </a:r>
-            <a:r>
-              <a:rPr lang="sv-SE" dirty="0" smtClean="0">
-                <a:latin typeface="Minya Nouvelle" pitchFamily="2" charset="0"/>
-              </a:rPr>
-              <a:t>90-92</a:t>
-            </a:r>
-            <a:endParaRPr lang="sv-SE" dirty="0" smtClean="0">
-              <a:latin typeface="Minya Nouvelle" pitchFamily="2" charset="0"/>
-            </a:endParaRPr>
+              <a:t>: sid 90-92</a:t>
+            </a:r>
           </a:p>
         </p:txBody>
       </p:sp>
@@ -9109,7 +9076,7 @@
   <p:timing>
     <p:tnLst>
       <p:par>
-        <p:cTn id="1" dur="indefinite" restart="never" nodeType="tmRoot"/>
+        <p:cTn xmlns:p14="http://schemas.microsoft.com/office/powerpoint/2010/main" id="1" dur="indefinite" restart="never" nodeType="tmRoot"/>
       </p:par>
     </p:tnLst>
   </p:timing>
@@ -9236,7 +9203,7 @@
           </a:prstGeom>
           <a:noFill/>
           <a:extLst>
-            <a:ext uri="{909E8E84-426E-40DD-AFC4-6F175D3DCCD1}">
+            <a:ext uri="{909E8E84-426E-40dd-AFC4-6F175D3DCCD1}">
               <a14:hiddenFill xmlns:a14="http://schemas.microsoft.com/office/drawing/2010/main">
                 <a:solidFill>
                   <a:srgbClr val="FFFFFF"/>
@@ -9259,7 +9226,7 @@
   <p:timing>
     <p:tnLst>
       <p:par>
-        <p:cTn id="1" dur="indefinite" restart="never" nodeType="tmRoot"/>
+        <p:cTn xmlns:p14="http://schemas.microsoft.com/office/powerpoint/2010/main" id="1" dur="indefinite" restart="never" nodeType="tmRoot"/>
       </p:par>
     </p:tnLst>
   </p:timing>
@@ -9487,17 +9454,7 @@
                 <a:latin typeface="Courier New" pitchFamily="49" charset="0"/>
                 <a:cs typeface="Courier New" pitchFamily="49" charset="0"/>
               </a:rPr>
-              <a:t> </a:t>
-            </a:r>
-            <a:r>
-              <a:rPr lang="sv-SE" b="1" dirty="0" smtClean="0">
-                <a:solidFill>
-                  <a:schemeClr val="tx1"/>
-                </a:solidFill>
-                <a:latin typeface="Courier New" pitchFamily="49" charset="0"/>
-                <a:cs typeface="Courier New" pitchFamily="49" charset="0"/>
-              </a:rPr>
-              <a:t>* </a:t>
+              <a:t> * </a:t>
             </a:r>
             <a:r>
               <a:rPr lang="sv-SE" b="1" dirty="0" err="1" smtClean="0">
@@ -9916,7 +9873,7 @@
           </a:prstGeom>
           <a:noFill/>
           <a:extLst>
-            <a:ext uri="{909E8E84-426E-40DD-AFC4-6F175D3DCCD1}">
+            <a:ext uri="{909E8E84-426E-40dd-AFC4-6F175D3DCCD1}">
               <a14:hiddenFill xmlns:a14="http://schemas.microsoft.com/office/drawing/2010/main">
                 <a:solidFill>
                   <a:srgbClr val="FFFFFF"/>
@@ -9939,7 +9896,7 @@
   <p:timing>
     <p:tnLst>
       <p:par>
-        <p:cTn id="1" dur="indefinite" restart="never" nodeType="tmRoot"/>
+        <p:cTn xmlns:p14="http://schemas.microsoft.com/office/powerpoint/2010/main" id="1" dur="indefinite" restart="never" nodeType="tmRoot"/>
       </p:par>
     </p:tnLst>
   </p:timing>
@@ -10487,7 +10444,7 @@
           </a:prstGeom>
           <a:noFill/>
           <a:extLst>
-            <a:ext uri="{909E8E84-426E-40DD-AFC4-6F175D3DCCD1}">
+            <a:ext uri="{909E8E84-426E-40dd-AFC4-6F175D3DCCD1}">
               <a14:hiddenFill xmlns:a14="http://schemas.microsoft.com/office/drawing/2010/main">
                 <a:solidFill>
                   <a:srgbClr val="FFFFFF"/>
@@ -10528,7 +10485,7 @@
           </a:prstGeom>
           <a:noFill/>
           <a:extLst>
-            <a:ext uri="{909E8E84-426E-40DD-AFC4-6F175D3DCCD1}">
+            <a:ext uri="{909E8E84-426E-40dd-AFC4-6F175D3DCCD1}">
               <a14:hiddenFill xmlns:a14="http://schemas.microsoft.com/office/drawing/2010/main">
                 <a:solidFill>
                   <a:srgbClr val="FFFFFF"/>
@@ -10551,7 +10508,7 @@
   <p:timing>
     <p:tnLst>
       <p:par>
-        <p:cTn id="1" dur="indefinite" restart="never" nodeType="tmRoot">
+        <p:cTn xmlns:p14="http://schemas.microsoft.com/office/powerpoint/2010/main" id="1" dur="indefinite" restart="never" nodeType="tmRoot">
           <p:childTnLst>
             <p:seq concurrent="1" nextAc="seek">
               <p:cTn id="2" dur="indefinite" nodeType="mainSeq">
@@ -11131,7 +11088,7 @@
           </a:prstGeom>
           <a:noFill/>
           <a:extLst>
-            <a:ext uri="{909E8E84-426E-40DD-AFC4-6F175D3DCCD1}">
+            <a:ext uri="{909E8E84-426E-40dd-AFC4-6F175D3DCCD1}">
               <a14:hiddenFill xmlns:a14="http://schemas.microsoft.com/office/drawing/2010/main">
                 <a:solidFill>
                   <a:srgbClr val="FFFFFF"/>
@@ -11223,7 +11180,7 @@
   <p:timing>
     <p:tnLst>
       <p:par>
-        <p:cTn id="1" dur="indefinite" restart="never" nodeType="tmRoot">
+        <p:cTn xmlns:p14="http://schemas.microsoft.com/office/powerpoint/2010/main" id="1" dur="indefinite" restart="never" nodeType="tmRoot">
           <p:childTnLst>
             <p:seq concurrent="1" nextAc="seek">
               <p:cTn id="2" dur="indefinite" nodeType="mainSeq">
@@ -11661,7 +11618,7 @@
   <p:timing>
     <p:tnLst>
       <p:par>
-        <p:cTn id="1" dur="indefinite" restart="never" nodeType="tmRoot"/>
+        <p:cTn xmlns:p14="http://schemas.microsoft.com/office/powerpoint/2010/main" id="1" dur="indefinite" restart="never" nodeType="tmRoot"/>
       </p:par>
     </p:tnLst>
   </p:timing>
@@ -13094,7 +13051,7 @@
           </a:prstGeom>
           <a:noFill/>
           <a:extLst>
-            <a:ext uri="{909E8E84-426E-40DD-AFC4-6F175D3DCCD1}">
+            <a:ext uri="{909E8E84-426E-40dd-AFC4-6F175D3DCCD1}">
               <a14:hiddenFill xmlns:a14="http://schemas.microsoft.com/office/drawing/2010/main">
                 <a:solidFill>
                   <a:srgbClr val="FFFFFF"/>
@@ -13169,7 +13126,7 @@
           </a:prstGeom>
           <a:noFill/>
           <a:extLst>
-            <a:ext uri="{909E8E84-426E-40DD-AFC4-6F175D3DCCD1}">
+            <a:ext uri="{909E8E84-426E-40dd-AFC4-6F175D3DCCD1}">
               <a14:hiddenFill xmlns:a14="http://schemas.microsoft.com/office/drawing/2010/main">
                 <a:solidFill>
                   <a:srgbClr val="FFFFFF"/>
@@ -13237,7 +13194,7 @@
   <p:timing>
     <p:tnLst>
       <p:par>
-        <p:cTn id="1" dur="indefinite" restart="never" nodeType="tmRoot"/>
+        <p:cTn xmlns:p14="http://schemas.microsoft.com/office/powerpoint/2010/main" id="1" dur="indefinite" restart="never" nodeType="tmRoot"/>
       </p:par>
     </p:tnLst>
   </p:timing>
@@ -13616,7 +13573,7 @@
           </a:prstGeom>
           <a:noFill/>
           <a:extLst>
-            <a:ext uri="{909E8E84-426E-40DD-AFC4-6F175D3DCCD1}">
+            <a:ext uri="{909E8E84-426E-40dd-AFC4-6F175D3DCCD1}">
               <a14:hiddenFill xmlns:a14="http://schemas.microsoft.com/office/drawing/2010/main">
                 <a:solidFill>
                   <a:srgbClr val="FFFFFF"/>
@@ -13779,7 +13736,7 @@
   <p:timing>
     <p:tnLst>
       <p:par>
-        <p:cTn id="1" dur="indefinite" restart="never" nodeType="tmRoot">
+        <p:cTn xmlns:p14="http://schemas.microsoft.com/office/powerpoint/2010/main" id="1" dur="indefinite" restart="never" nodeType="tmRoot">
           <p:childTnLst>
             <p:seq concurrent="1" nextAc="seek">
               <p:cTn id="2" dur="indefinite" nodeType="mainSeq">
@@ -14352,11 +14309,7 @@
           <a:p>
             <a:r>
               <a:rPr lang="sv-SE" dirty="0" smtClean="0"/>
-              <a:t>Array och </a:t>
-            </a:r>
-            <a:r>
-              <a:rPr lang="sv-SE" dirty="0" smtClean="0"/>
-              <a:t>for</a:t>
+              <a:t>Array och for</a:t>
             </a:r>
             <a:endParaRPr lang="sv-SE" dirty="0"/>
           </a:p>
@@ -14542,7 +14495,7 @@
           </a:prstGeom>
           <a:noFill/>
           <a:extLst>
-            <a:ext uri="{909E8E84-426E-40DD-AFC4-6F175D3DCCD1}">
+            <a:ext uri="{909E8E84-426E-40dd-AFC4-6F175D3DCCD1}">
               <a14:hiddenFill xmlns:a14="http://schemas.microsoft.com/office/drawing/2010/main">
                 <a:solidFill>
                   <a:srgbClr val="FFFFFF"/>
@@ -14842,7 +14795,7 @@
   <p:timing>
     <p:tnLst>
       <p:par>
-        <p:cTn id="1" dur="indefinite" restart="never" nodeType="tmRoot">
+        <p:cTn xmlns:p14="http://schemas.microsoft.com/office/powerpoint/2010/main" id="1" dur="indefinite" restart="never" nodeType="tmRoot">
           <p:childTnLst>
             <p:seq concurrent="1" nextAc="seek">
               <p:cTn id="2" dur="indefinite" nodeType="mainSeq">
@@ -15199,7 +15152,7 @@
   <p:timing>
     <p:tnLst>
       <p:par>
-        <p:cTn id="1" dur="indefinite" restart="never" nodeType="tmRoot"/>
+        <p:cTn xmlns:p14="http://schemas.microsoft.com/office/powerpoint/2010/main" id="1" dur="indefinite" restart="never" nodeType="tmRoot"/>
       </p:par>
     </p:tnLst>
   </p:timing>
@@ -15476,7 +15429,7 @@
           </a:prstGeom>
           <a:noFill/>
           <a:extLst>
-            <a:ext uri="{909E8E84-426E-40DD-AFC4-6F175D3DCCD1}">
+            <a:ext uri="{909E8E84-426E-40dd-AFC4-6F175D3DCCD1}">
               <a14:hiddenFill xmlns:a14="http://schemas.microsoft.com/office/drawing/2010/main">
                 <a:solidFill>
                   <a:srgbClr val="FFFFFF"/>
@@ -15494,7 +15447,7 @@
   <p:timing>
     <p:tnLst>
       <p:par>
-        <p:cTn id="1" dur="indefinite" restart="never" nodeType="tmRoot"/>
+        <p:cTn xmlns:p14="http://schemas.microsoft.com/office/powerpoint/2010/main" id="1" dur="indefinite" restart="never" nodeType="tmRoot"/>
       </p:par>
     </p:tnLst>
   </p:timing>
@@ -15502,6 +15455,98 @@
 </file>
 
 <file path=ppt/slides/slide20.xml><?xml version="1.0" encoding="utf-8"?>
+<p:sld xmlns:a="http://schemas.openxmlformats.org/drawingml/2006/main" xmlns:r="http://schemas.openxmlformats.org/officeDocument/2006/relationships" xmlns:p="http://schemas.openxmlformats.org/presentationml/2006/main">
+  <p:cSld>
+    <p:spTree>
+      <p:nvGrpSpPr>
+        <p:cNvPr id="1" name=""/>
+        <p:cNvGrpSpPr/>
+        <p:nvPr/>
+      </p:nvGrpSpPr>
+      <p:grpSpPr>
+        <a:xfrm>
+          <a:off x="0" y="0"/>
+          <a:ext cx="0" cy="0"/>
+          <a:chOff x="0" y="0"/>
+          <a:chExt cx="0" cy="0"/>
+        </a:xfrm>
+      </p:grpSpPr>
+      <p:sp>
+        <p:nvSpPr>
+          <p:cNvPr id="2" name="Title 1"/>
+          <p:cNvSpPr>
+            <a:spLocks noGrp="1"/>
+          </p:cNvSpPr>
+          <p:nvPr>
+            <p:ph type="ctrTitle"/>
+          </p:nvPr>
+        </p:nvSpPr>
+        <p:spPr/>
+        <p:txBody>
+          <a:bodyPr/>
+          <a:lstStyle/>
+          <a:p>
+            <a:r>
+              <a:rPr lang="en-US" dirty="0" err="1" smtClean="0"/>
+              <a:t>Iterativa</a:t>
+            </a:r>
+            <a:r>
+              <a:rPr lang="en-US" dirty="0" smtClean="0"/>
+              <a:t> </a:t>
+            </a:r>
+            <a:r>
+              <a:rPr lang="en-US" dirty="0" err="1" smtClean="0"/>
+              <a:t>metoder</a:t>
+            </a:r>
+            <a:endParaRPr lang="en-US" dirty="0"/>
+          </a:p>
+        </p:txBody>
+      </p:sp>
+      <p:sp>
+        <p:nvSpPr>
+          <p:cNvPr id="4" name="TextBox 3"/>
+          <p:cNvSpPr txBox="1"/>
+          <p:nvPr/>
+        </p:nvSpPr>
+        <p:spPr>
+          <a:xfrm>
+            <a:off x="8244408" y="5161756"/>
+            <a:ext cx="671979" cy="369332"/>
+          </a:xfrm>
+          <a:prstGeom prst="rect">
+            <a:avLst/>
+          </a:prstGeom>
+          <a:noFill/>
+        </p:spPr>
+        <p:txBody>
+          <a:bodyPr wrap="none" rtlCol="0">
+            <a:spAutoFit/>
+          </a:bodyPr>
+          <a:lstStyle/>
+          <a:p>
+            <a:r>
+              <a:rPr lang="en-US" dirty="0" smtClean="0">
+                <a:latin typeface="Minya Nouvelle" pitchFamily="2" charset="0"/>
+              </a:rPr>
+              <a:t>IE9+</a:t>
+            </a:r>
+          </a:p>
+        </p:txBody>
+      </p:sp>
+    </p:spTree>
+    <p:extLst>
+      <p:ext uri="{BB962C8B-B14F-4D97-AF65-F5344CB8AC3E}">
+        <p14:creationId xmlns:p14="http://schemas.microsoft.com/office/powerpoint/2010/main" val="2985594970"/>
+      </p:ext>
+    </p:extLst>
+  </p:cSld>
+  <p:clrMapOvr>
+    <a:masterClrMapping/>
+  </p:clrMapOvr>
+</p:sld>
+</file>
+
+<file path=ppt/slides/slide21.xml><?xml version="1.0" encoding="utf-8"?>
 <p:sld xmlns:a="http://schemas.openxmlformats.org/drawingml/2006/main" xmlns:r="http://schemas.openxmlformats.org/officeDocument/2006/relationships" xmlns:p="http://schemas.openxmlformats.org/presentationml/2006/main">
   <p:cSld>
     <p:spTree>
@@ -17528,7 +17573,7 @@
           </a:prstGeom>
           <a:noFill/>
           <a:extLst>
-            <a:ext uri="{909E8E84-426E-40DD-AFC4-6F175D3DCCD1}">
+            <a:ext uri="{909E8E84-426E-40dd-AFC4-6F175D3DCCD1}">
               <a14:hiddenFill xmlns:a14="http://schemas.microsoft.com/office/drawing/2010/main">
                 <a:solidFill>
                   <a:srgbClr val="FFFFFF"/>
@@ -17551,14 +17596,14 @@
   <p:timing>
     <p:tnLst>
       <p:par>
-        <p:cTn id="1" dur="indefinite" restart="never" nodeType="tmRoot"/>
+        <p:cTn xmlns:p14="http://schemas.microsoft.com/office/powerpoint/2010/main" id="1" dur="indefinite" restart="never" nodeType="tmRoot"/>
       </p:par>
     </p:tnLst>
   </p:timing>
 </p:sld>
 </file>
 
-<file path=ppt/slides/slide21.xml><?xml version="1.0" encoding="utf-8"?>
+<file path=ppt/slides/slide22.xml><?xml version="1.0" encoding="utf-8"?>
 <p:sld xmlns:a="http://schemas.openxmlformats.org/drawingml/2006/main" xmlns:r="http://schemas.openxmlformats.org/officeDocument/2006/relationships" xmlns:p="http://schemas.openxmlformats.org/presentationml/2006/main">
   <p:cSld>
     <p:spTree>
@@ -17820,7 +17865,7 @@
           </a:prstGeom>
           <a:noFill/>
           <a:extLst>
-            <a:ext uri="{909E8E84-426E-40DD-AFC4-6F175D3DCCD1}">
+            <a:ext uri="{909E8E84-426E-40dd-AFC4-6F175D3DCCD1}">
               <a14:hiddenFill xmlns:a14="http://schemas.microsoft.com/office/drawing/2010/main">
                 <a:solidFill>
                   <a:srgbClr val="FFFFFF"/>
@@ -17843,14 +17888,14 @@
   <p:timing>
     <p:tnLst>
       <p:par>
-        <p:cTn id="1" dur="indefinite" restart="never" nodeType="tmRoot"/>
+        <p:cTn xmlns:p14="http://schemas.microsoft.com/office/powerpoint/2010/main" id="1" dur="indefinite" restart="never" nodeType="tmRoot"/>
       </p:par>
     </p:tnLst>
   </p:timing>
 </p:sld>
 </file>
 
-<file path=ppt/slides/slide22.xml><?xml version="1.0" encoding="utf-8"?>
+<file path=ppt/slides/slide23.xml><?xml version="1.0" encoding="utf-8"?>
 <p:sld xmlns:a="http://schemas.openxmlformats.org/drawingml/2006/main" xmlns:r="http://schemas.openxmlformats.org/officeDocument/2006/relationships" xmlns:p="http://schemas.openxmlformats.org/presentationml/2006/main">
   <p:cSld>
     <p:spTree>
@@ -18320,7 +18365,7 @@
           </a:prstGeom>
           <a:noFill/>
           <a:extLst>
-            <a:ext uri="{909E8E84-426E-40DD-AFC4-6F175D3DCCD1}">
+            <a:ext uri="{909E8E84-426E-40dd-AFC4-6F175D3DCCD1}">
               <a14:hiddenFill xmlns:a14="http://schemas.microsoft.com/office/drawing/2010/main">
                 <a:solidFill>
                   <a:srgbClr val="FFFFFF"/>
@@ -18343,14 +18388,14 @@
   <p:timing>
     <p:tnLst>
       <p:par>
-        <p:cTn id="1" dur="indefinite" restart="never" nodeType="tmRoot"/>
+        <p:cTn xmlns:p14="http://schemas.microsoft.com/office/powerpoint/2010/main" id="1" dur="indefinite" restart="never" nodeType="tmRoot"/>
       </p:par>
     </p:tnLst>
   </p:timing>
 </p:sld>
 </file>
 
-<file path=ppt/slides/slide23.xml><?xml version="1.0" encoding="utf-8"?>
+<file path=ppt/slides/slide24.xml><?xml version="1.0" encoding="utf-8"?>
 <p:sld xmlns:a="http://schemas.openxmlformats.org/drawingml/2006/main" xmlns:r="http://schemas.openxmlformats.org/officeDocument/2006/relationships" xmlns:p="http://schemas.openxmlformats.org/presentationml/2006/main">
   <p:cSld>
     <p:spTree>
@@ -18449,7 +18494,7 @@
           </a:prstGeom>
           <a:noFill/>
           <a:extLst>
-            <a:ext uri="{909E8E84-426E-40DD-AFC4-6F175D3DCCD1}">
+            <a:ext uri="{909E8E84-426E-40dd-AFC4-6F175D3DCCD1}">
               <a14:hiddenFill xmlns:a14="http://schemas.microsoft.com/office/drawing/2010/main">
                 <a:solidFill>
                   <a:srgbClr val="FFFFFF"/>
@@ -18952,17 +18997,7 @@
                 <a:latin typeface="Courier New" pitchFamily="49" charset="0"/>
                 <a:cs typeface="Times New Roman" pitchFamily="18" charset="0"/>
               </a:rPr>
-              <a:t>console.log(myDate.getMonth</a:t>
-            </a:r>
-            <a:r>
-              <a:rPr lang="nb-NO" sz="1600" b="1" dirty="0" smtClean="0">
-                <a:solidFill>
-                  <a:srgbClr val="000000"/>
-                </a:solidFill>
-                <a:latin typeface="Courier New" pitchFamily="49" charset="0"/>
-                <a:cs typeface="Times New Roman" pitchFamily="18" charset="0"/>
-              </a:rPr>
-              <a:t>());  // 5 </a:t>
+              <a:t>console.log(myDate.getMonth());  // 5 </a:t>
             </a:r>
             <a:endParaRPr lang="nb-NO" sz="1600" b="1" dirty="0">
               <a:solidFill>
@@ -18987,7 +19022,7 @@
   <p:timing>
     <p:tnLst>
       <p:par>
-        <p:cTn id="1" dur="indefinite" restart="never" nodeType="tmRoot">
+        <p:cTn xmlns:p14="http://schemas.microsoft.com/office/powerpoint/2010/main" id="1" dur="indefinite" restart="never" nodeType="tmRoot">
           <p:childTnLst>
             <p:seq concurrent="1" nextAc="seek">
               <p:cTn id="2" dur="indefinite" nodeType="mainSeq">
@@ -19391,7 +19426,7 @@
 </p:sld>
 </file>
 
-<file path=ppt/slides/slide24.xml><?xml version="1.0" encoding="utf-8"?>
+<file path=ppt/slides/slide25.xml><?xml version="1.0" encoding="utf-8"?>
 <p:sld xmlns:a="http://schemas.openxmlformats.org/drawingml/2006/main" xmlns:r="http://schemas.openxmlformats.org/officeDocument/2006/relationships" xmlns:p="http://schemas.openxmlformats.org/presentationml/2006/main">
   <p:cSld>
     <p:spTree>
@@ -19462,7 +19497,7 @@
           </a:prstGeom>
           <a:noFill/>
           <a:extLst>
-            <a:ext uri="{909E8E84-426E-40DD-AFC4-6F175D3DCCD1}">
+            <a:ext uri="{909E8E84-426E-40dd-AFC4-6F175D3DCCD1}">
               <a14:hiddenFill xmlns:a14="http://schemas.microsoft.com/office/drawing/2010/main">
                 <a:solidFill>
                   <a:srgbClr val="FFFFFF"/>
@@ -19932,7 +19967,7 @@
   <p:timing>
     <p:tnLst>
       <p:par>
-        <p:cTn id="1" dur="indefinite" restart="never" nodeType="tmRoot">
+        <p:cTn xmlns:p14="http://schemas.microsoft.com/office/powerpoint/2010/main" id="1" dur="indefinite" restart="never" nodeType="tmRoot">
           <p:childTnLst>
             <p:seq concurrent="1" nextAc="seek">
               <p:cTn id="2" dur="indefinite" nodeType="mainSeq">
@@ -20054,7 +20089,7 @@
 </p:sld>
 </file>
 
-<file path=ppt/slides/slide25.xml><?xml version="1.0" encoding="utf-8"?>
+<file path=ppt/slides/slide26.xml><?xml version="1.0" encoding="utf-8"?>
 <p:sld xmlns:a="http://schemas.openxmlformats.org/drawingml/2006/main" xmlns:r="http://schemas.openxmlformats.org/officeDocument/2006/relationships" xmlns:p="http://schemas.openxmlformats.org/presentationml/2006/main">
   <p:cSld>
     <p:spTree>
@@ -20465,7 +20500,7 @@
           </a:prstGeom>
           <a:noFill/>
           <a:extLst>
-            <a:ext uri="{909E8E84-426E-40DD-AFC4-6F175D3DCCD1}">
+            <a:ext uri="{909E8E84-426E-40dd-AFC4-6F175D3DCCD1}">
               <a14:hiddenFill xmlns:a14="http://schemas.microsoft.com/office/drawing/2010/main">
                 <a:solidFill>
                   <a:srgbClr val="FFFFFF"/>
@@ -20624,7 +20659,7 @@
   <p:timing>
     <p:tnLst>
       <p:par>
-        <p:cTn id="1" dur="indefinite" restart="never" nodeType="tmRoot">
+        <p:cTn xmlns:p14="http://schemas.microsoft.com/office/powerpoint/2010/main" id="1" dur="indefinite" restart="never" nodeType="tmRoot">
           <p:childTnLst>
             <p:seq concurrent="1" nextAc="seek">
               <p:cTn id="2" dur="indefinite" nodeType="mainSeq">
@@ -21073,7 +21108,7 @@
 </p:sld>
 </file>
 
-<file path=ppt/slides/slide26.xml><?xml version="1.0" encoding="utf-8"?>
+<file path=ppt/slides/slide27.xml><?xml version="1.0" encoding="utf-8"?>
 <p:sld xmlns:a="http://schemas.openxmlformats.org/drawingml/2006/main" xmlns:r="http://schemas.openxmlformats.org/officeDocument/2006/relationships" xmlns:p="http://schemas.openxmlformats.org/presentationml/2006/main">
   <p:cSld>
     <p:spTree>
@@ -21228,25 +21263,8 @@
                 <a:latin typeface="Courier New" pitchFamily="49" charset="0"/>
                 <a:cs typeface="Courier New" pitchFamily="49" charset="0"/>
               </a:rPr>
-              <a:t> = x; // Kastar ett undantag om x inte är </a:t>
-            </a:r>
-            <a:r>
-              <a:rPr lang="sv-SE" sz="1600" dirty="0" smtClean="0">
-                <a:solidFill>
-                  <a:schemeClr val="tx1"/>
-                </a:solidFill>
-                <a:latin typeface="Courier New" pitchFamily="49" charset="0"/>
-                <a:cs typeface="Courier New" pitchFamily="49" charset="0"/>
-              </a:rPr>
-              <a:t>deklarerad.</a:t>
-            </a:r>
-            <a:endParaRPr lang="sv-SE" sz="1600" dirty="0" smtClean="0">
-              <a:solidFill>
-                <a:schemeClr val="tx1"/>
-              </a:solidFill>
-              <a:latin typeface="Courier New" pitchFamily="49" charset="0"/>
-              <a:cs typeface="Courier New" pitchFamily="49" charset="0"/>
-            </a:endParaRPr>
+              <a:t> = x; // Kastar ett undantag om x inte är deklarerad.</a:t>
+            </a:r>
           </a:p>
           <a:p>
             <a:pPr>
@@ -21327,17 +21345,7 @@
                 <a:latin typeface="Courier New" pitchFamily="49" charset="0"/>
                 <a:cs typeface="Courier New" pitchFamily="49" charset="0"/>
               </a:rPr>
-              <a:t>    </a:t>
-            </a:r>
-            <a:r>
-              <a:rPr lang="sv-SE" sz="1600" dirty="0" smtClean="0">
-                <a:solidFill>
-                  <a:schemeClr val="tx1"/>
-                </a:solidFill>
-                <a:latin typeface="Courier New" pitchFamily="49" charset="0"/>
-                <a:cs typeface="Courier New" pitchFamily="49" charset="0"/>
-              </a:rPr>
-              <a:t>console.log(</a:t>
+              <a:t>    console.log(</a:t>
             </a:r>
             <a:r>
               <a:rPr lang="sv-SE" sz="1600" dirty="0" err="1" smtClean="0">
@@ -21777,7 +21785,7 @@
           </a:prstGeom>
           <a:noFill/>
           <a:extLst>
-            <a:ext uri="{909E8E84-426E-40DD-AFC4-6F175D3DCCD1}">
+            <a:ext uri="{909E8E84-426E-40dd-AFC4-6F175D3DCCD1}">
               <a14:hiddenFill xmlns:a14="http://schemas.microsoft.com/office/drawing/2010/main">
                 <a:solidFill>
                   <a:srgbClr val="FFFFFF"/>
@@ -21800,14 +21808,14 @@
   <p:timing>
     <p:tnLst>
       <p:par>
-        <p:cTn id="1" dur="indefinite" restart="never" nodeType="tmRoot"/>
+        <p:cTn xmlns:p14="http://schemas.microsoft.com/office/powerpoint/2010/main" id="1" dur="indefinite" restart="never" nodeType="tmRoot"/>
       </p:par>
     </p:tnLst>
   </p:timing>
 </p:sld>
 </file>
 
-<file path=ppt/slides/slide27.xml><?xml version="1.0" encoding="utf-8"?>
+<file path=ppt/slides/slide28.xml><?xml version="1.0" encoding="utf-8"?>
 <p:sld xmlns:a="http://schemas.openxmlformats.org/drawingml/2006/main" xmlns:r="http://schemas.openxmlformats.org/officeDocument/2006/relationships" xmlns:p="http://schemas.openxmlformats.org/presentationml/2006/main">
   <p:cSld>
     <p:spTree>
@@ -21893,14 +21901,14 @@
   <p:timing>
     <p:tnLst>
       <p:par>
-        <p:cTn id="1" dur="indefinite" restart="never" nodeType="tmRoot"/>
+        <p:cTn xmlns:p14="http://schemas.microsoft.com/office/powerpoint/2010/main" id="1" dur="indefinite" restart="never" nodeType="tmRoot"/>
       </p:par>
     </p:tnLst>
   </p:timing>
 </p:sld>
 </file>
 
-<file path=ppt/slides/slide28.xml><?xml version="1.0" encoding="utf-8"?>
+<file path=ppt/slides/slide29.xml><?xml version="1.0" encoding="utf-8"?>
 <p:sld xmlns:a="http://schemas.openxmlformats.org/drawingml/2006/main" xmlns:r="http://schemas.openxmlformats.org/officeDocument/2006/relationships" xmlns:p="http://schemas.openxmlformats.org/presentationml/2006/main">
   <p:cSld>
     <p:spTree>
@@ -21983,7 +21991,7 @@
           </a:prstGeom>
           <a:noFill/>
           <a:extLst>
-            <a:ext uri="{909E8E84-426E-40DD-AFC4-6F175D3DCCD1}">
+            <a:ext uri="{909E8E84-426E-40dd-AFC4-6F175D3DCCD1}">
               <a14:hiddenFill xmlns:a14="http://schemas.microsoft.com/office/drawing/2010/main">
                 <a:solidFill>
                   <a:srgbClr val="FFFFFF"/>
@@ -22043,7 +22051,7 @@
   <p:timing>
     <p:tnLst>
       <p:par>
-        <p:cTn id="1" dur="indefinite" restart="never" nodeType="tmRoot"/>
+        <p:cTn xmlns:p14="http://schemas.microsoft.com/office/powerpoint/2010/main" id="1" dur="indefinite" restart="never" nodeType="tmRoot"/>
       </p:par>
     </p:tnLst>
   </p:timing>
@@ -22121,7 +22129,7 @@
           </a:prstGeom>
           <a:noFill/>
           <a:extLst>
-            <a:ext uri="{909E8E84-426E-40DD-AFC4-6F175D3DCCD1}">
+            <a:ext uri="{909E8E84-426E-40dd-AFC4-6F175D3DCCD1}">
               <a14:hiddenFill xmlns:a14="http://schemas.microsoft.com/office/drawing/2010/main">
                 <a:solidFill>
                   <a:srgbClr val="FFFFFF"/>
@@ -22200,7 +22208,7 @@
   <p:timing>
     <p:tnLst>
       <p:par>
-        <p:cTn id="1" dur="indefinite" restart="never" nodeType="tmRoot"/>
+        <p:cTn xmlns:p14="http://schemas.microsoft.com/office/powerpoint/2010/main" id="1" dur="indefinite" restart="never" nodeType="tmRoot"/>
       </p:par>
     </p:tnLst>
   </p:timing>
@@ -22604,7 +22612,7 @@
           </a:prstGeom>
           <a:noFill/>
           <a:extLst>
-            <a:ext uri="{909E8E84-426E-40DD-AFC4-6F175D3DCCD1}">
+            <a:ext uri="{909E8E84-426E-40dd-AFC4-6F175D3DCCD1}">
               <a14:hiddenFill xmlns:a14="http://schemas.microsoft.com/office/drawing/2010/main">
                 <a:solidFill>
                   <a:srgbClr val="FFFFFF"/>
@@ -22627,7 +22635,7 @@
   <p:timing>
     <p:tnLst>
       <p:par>
-        <p:cTn id="1" dur="indefinite" restart="never" nodeType="tmRoot"/>
+        <p:cTn xmlns:p14="http://schemas.microsoft.com/office/powerpoint/2010/main" id="1" dur="indefinite" restart="never" nodeType="tmRoot"/>
       </p:par>
     </p:tnLst>
   </p:timing>
@@ -23142,7 +23150,7 @@
           </a:prstGeom>
           <a:noFill/>
           <a:extLst>
-            <a:ext uri="{909E8E84-426E-40DD-AFC4-6F175D3DCCD1}">
+            <a:ext uri="{909E8E84-426E-40dd-AFC4-6F175D3DCCD1}">
               <a14:hiddenFill xmlns:a14="http://schemas.microsoft.com/office/drawing/2010/main">
                 <a:solidFill>
                   <a:srgbClr val="FFFFFF"/>
@@ -23165,7 +23173,7 @@
   <p:timing>
     <p:tnLst>
       <p:par>
-        <p:cTn id="1" dur="indefinite" restart="never" nodeType="tmRoot"/>
+        <p:cTn xmlns:p14="http://schemas.microsoft.com/office/powerpoint/2010/main" id="1" dur="indefinite" restart="never" nodeType="tmRoot"/>
       </p:par>
     </p:tnLst>
   </p:timing>
@@ -23718,7 +23726,7 @@
           </a:prstGeom>
           <a:noFill/>
           <a:extLst>
-            <a:ext uri="{909E8E84-426E-40DD-AFC4-6F175D3DCCD1}">
+            <a:ext uri="{909E8E84-426E-40dd-AFC4-6F175D3DCCD1}">
               <a14:hiddenFill xmlns:a14="http://schemas.microsoft.com/office/drawing/2010/main">
                 <a:solidFill>
                   <a:srgbClr val="FFFFFF"/>
@@ -23741,7 +23749,7 @@
   <p:timing>
     <p:tnLst>
       <p:par>
-        <p:cTn id="1" dur="indefinite" restart="never" nodeType="tmRoot"/>
+        <p:cTn xmlns:p14="http://schemas.microsoft.com/office/powerpoint/2010/main" id="1" dur="indefinite" restart="never" nodeType="tmRoot"/>
       </p:par>
     </p:tnLst>
   </p:timing>
@@ -23956,8 +23964,10 @@
                 <a:latin typeface="Courier New" pitchFamily="49" charset="0"/>
                 <a:cs typeface="Times New Roman" pitchFamily="18" charset="0"/>
               </a:rPr>
-              <a:t>console.log(summera(2,3</a:t>
-            </a:r>
+              <a:t>console.log(summera(2,3)); 		// 5</a:t>
+            </a:r>
+          </a:p>
+          <a:p>
             <a:r>
               <a:rPr lang="nb-NO" sz="2000" b="1" dirty="0" smtClean="0">
                 <a:solidFill>
@@ -23966,29 +23976,7 @@
                 <a:latin typeface="Courier New" pitchFamily="49" charset="0"/>
                 <a:cs typeface="Times New Roman" pitchFamily="18" charset="0"/>
               </a:rPr>
-              <a:t>)); 		// 5</a:t>
-            </a:r>
-          </a:p>
-          <a:p>
-            <a:r>
-              <a:rPr lang="nb-NO" sz="2000" b="1" dirty="0" smtClean="0">
-                <a:solidFill>
-                  <a:srgbClr val="000000"/>
-                </a:solidFill>
-                <a:latin typeface="Courier New" pitchFamily="49" charset="0"/>
-                <a:cs typeface="Times New Roman" pitchFamily="18" charset="0"/>
-              </a:rPr>
-              <a:t>console.log(summeraIgen(2,3</a:t>
-            </a:r>
-            <a:r>
-              <a:rPr lang="nb-NO" sz="2000" b="1" dirty="0" smtClean="0">
-                <a:solidFill>
-                  <a:srgbClr val="000000"/>
-                </a:solidFill>
-                <a:latin typeface="Courier New" pitchFamily="49" charset="0"/>
-                <a:cs typeface="Times New Roman" pitchFamily="18" charset="0"/>
-              </a:rPr>
-              <a:t>)); 	// 5</a:t>
+              <a:t>console.log(summeraIgen(2,3)); 	// 5</a:t>
             </a:r>
           </a:p>
           <a:p>
@@ -24148,7 +24136,7 @@
           </a:prstGeom>
           <a:noFill/>
           <a:extLst>
-            <a:ext uri="{909E8E84-426E-40DD-AFC4-6F175D3DCCD1}">
+            <a:ext uri="{909E8E84-426E-40dd-AFC4-6F175D3DCCD1}">
               <a14:hiddenFill xmlns:a14="http://schemas.microsoft.com/office/drawing/2010/main">
                 <a:solidFill>
                   <a:srgbClr val="FFFFFF"/>
@@ -24171,7 +24159,7 @@
   <p:timing>
     <p:tnLst>
       <p:par>
-        <p:cTn id="1" dur="indefinite" restart="never" nodeType="tmRoot"/>
+        <p:cTn xmlns:p14="http://schemas.microsoft.com/office/powerpoint/2010/main" id="1" dur="indefinite" restart="never" nodeType="tmRoot"/>
       </p:par>
     </p:tnLst>
   </p:timing>
@@ -24629,14 +24617,7 @@
                 <a:latin typeface="Courier New" pitchFamily="49" charset="0"/>
                 <a:cs typeface="Courier New" pitchFamily="49" charset="0"/>
               </a:rPr>
-              <a:t>console.log(svar</a:t>
-            </a:r>
-            <a:r>
-              <a:rPr lang="sv-SE" sz="1600" dirty="0" smtClean="0">
-                <a:latin typeface="Courier New" pitchFamily="49" charset="0"/>
-                <a:cs typeface="Courier New" pitchFamily="49" charset="0"/>
-              </a:rPr>
-              <a:t>); //-1</a:t>
+              <a:t>console.log(svar); //-1</a:t>
             </a:r>
             <a:endParaRPr lang="sv-SE" sz="1600" dirty="0">
               <a:latin typeface="Courier New" pitchFamily="49" charset="0"/>
@@ -24676,7 +24657,7 @@
           </a:prstGeom>
           <a:noFill/>
           <a:extLst>
-            <a:ext uri="{909E8E84-426E-40DD-AFC4-6F175D3DCCD1}">
+            <a:ext uri="{909E8E84-426E-40dd-AFC4-6F175D3DCCD1}">
               <a14:hiddenFill xmlns:a14="http://schemas.microsoft.com/office/drawing/2010/main">
                 <a:solidFill>
                   <a:srgbClr val="FFFFFF"/>
@@ -24699,7 +24680,7 @@
   <p:timing>
     <p:tnLst>
       <p:par>
-        <p:cTn id="1" dur="indefinite" restart="never" nodeType="tmRoot"/>
+        <p:cTn xmlns:p14="http://schemas.microsoft.com/office/powerpoint/2010/main" id="1" dur="indefinite" restart="never" nodeType="tmRoot"/>
       </p:par>
     </p:tnLst>
   </p:timing>
@@ -25165,7 +25146,7 @@
           </a:prstGeom>
           <a:noFill/>
           <a:extLst>
-            <a:ext uri="{909E8E84-426E-40DD-AFC4-6F175D3DCCD1}">
+            <a:ext uri="{909E8E84-426E-40dd-AFC4-6F175D3DCCD1}">
               <a14:hiddenFill xmlns:a14="http://schemas.microsoft.com/office/drawing/2010/main">
                 <a:solidFill>
                   <a:srgbClr val="FFFFFF"/>
@@ -25188,7 +25169,7 @@
   <p:timing>
     <p:tnLst>
       <p:par>
-        <p:cTn id="1" dur="indefinite" restart="never" nodeType="tmRoot"/>
+        <p:cTn xmlns:p14="http://schemas.microsoft.com/office/powerpoint/2010/main" id="1" dur="indefinite" restart="never" nodeType="tmRoot"/>
       </p:par>
     </p:tnLst>
   </p:timing>
